--- a/Documentations/03. Presentation/The Coffee & Cake_Group4.pptx
+++ b/Documentations/03. Presentation/The Coffee & Cake_Group4.pptx
@@ -280,7 +280,7 @@
       </p15:notesGuideLst>
     </p:ext>
     <p:ext uri="http://customooxmlschemas.google.com/">
-      <go:slidesCustomData xmlns:go="http://customooxmlschemas.google.com/" xmlns:ahyp="http://schemas.microsoft.com/office/drawing/2018/hyperlinkcolor" xmlns:p15="http://schemas.microsoft.com/office/powerpoint/2012/main" xmlns:p14="http://schemas.microsoft.com/office/powerpoint/2010/main" xmlns:com="http://schemas.openxmlformats.org/drawingml/2006/compatibility" xmlns:pvml="urn:schemas-microsoft-com:office:powerpoint" xmlns:v="urn:schemas-microsoft-com:vml" xmlns:o="urn:schemas-microsoft-com:office:office" xmlns:dgm="http://schemas.openxmlformats.org/drawingml/2006/diagram" xmlns:c="http://schemas.openxmlformats.org/drawingml/2006/chart" xmlns:mv="urn:schemas-microsoft-com:mac:vml" xmlns:mc="http://schemas.openxmlformats.org/markup-compatibility/2006" xmlns="" r:id="rId17" roundtripDataSignature="AMtx7mg5OY3R0pAxevg+fgTNWSftGfx/ow=="/>
+      <go:slidesCustomData xmlns="" xmlns:mc="http://schemas.openxmlformats.org/markup-compatibility/2006" xmlns:mv="urn:schemas-microsoft-com:mac:vml" xmlns:c="http://schemas.openxmlformats.org/drawingml/2006/chart" xmlns:dgm="http://schemas.openxmlformats.org/drawingml/2006/diagram" xmlns:o="urn:schemas-microsoft-com:office:office" xmlns:v="urn:schemas-microsoft-com:vml" xmlns:pvml="urn:schemas-microsoft-com:office:powerpoint" xmlns:com="http://schemas.openxmlformats.org/drawingml/2006/compatibility" xmlns:p14="http://schemas.microsoft.com/office/powerpoint/2010/main" xmlns:p15="http://schemas.microsoft.com/office/powerpoint/2012/main" xmlns:ahyp="http://schemas.microsoft.com/office/drawing/2018/hyperlinkcolor" xmlns:go="http://customooxmlschemas.google.com/" r:id="rId17" roundtripDataSignature="AMtx7mg5OY3R0pAxevg+fgTNWSftGfx/ow=="/>
     </p:ext>
   </p:extLst>
 </p:presentation>
@@ -2121,14 +2121,14 @@
               <a:buNone/>
             </a:pPr>
             <a:r>
-              <a:rPr lang="en-US" b="1"/>
+              <a:rPr lang="en-US" b="1" dirty="0"/>
               <a:t>Non-functional</a:t>
             </a:r>
             <a:r>
-              <a:rPr lang="en-US"/>
+              <a:rPr lang="en-US" dirty="0"/>
               <a:t> (how the system works)</a:t>
             </a:r>
-            <a:endParaRPr/>
+            <a:endParaRPr dirty="0"/>
           </a:p>
           <a:p>
             <a:pPr marL="0" marR="0" lvl="0" indent="0" algn="l" rtl="0">
@@ -2149,14 +2149,14 @@
               <a:buNone/>
             </a:pPr>
             <a:r>
-              <a:rPr lang="en-US" b="1"/>
+              <a:rPr lang="en-US" b="1" dirty="0"/>
               <a:t>Functional</a:t>
             </a:r>
             <a:r>
-              <a:rPr lang="en-US"/>
+              <a:rPr lang="en-US" dirty="0"/>
               <a:t>  (what the system should do)</a:t>
             </a:r>
-            <a:endParaRPr/>
+            <a:endParaRPr dirty="0"/>
           </a:p>
           <a:p>
             <a:pPr marL="0" lvl="0" indent="0" algn="l" rtl="0">
@@ -2168,7 +2168,7 @@
               </a:spcAft>
               <a:buNone/>
             </a:pPr>
-            <a:endParaRPr/>
+            <a:endParaRPr dirty="0"/>
           </a:p>
         </p:txBody>
       </p:sp>
@@ -2815,7 +2815,7 @@
               </a:spcAft>
               <a:buNone/>
             </a:pPr>
-            <a:endParaRPr/>
+            <a:endParaRPr dirty="0"/>
           </a:p>
         </p:txBody>
       </p:sp>
@@ -6527,7 +6527,7 @@
               <a:buSzPts val="4000"/>
             </a:pPr>
             <a:r>
-              <a:rPr lang="en-US" sz="2800" b="1" dirty="0" smtClean="0">
+              <a:rPr lang="en-US" sz="2800" b="1" dirty="0">
                 <a:solidFill>
                   <a:schemeClr val="dk1"/>
                 </a:solidFill>
@@ -6539,18 +6539,6 @@
               <a:t>	   </a:t>
             </a:r>
             <a:r>
-              <a:rPr lang="en-US" sz="3600" b="1" dirty="0" smtClean="0">
-                <a:solidFill>
-                  <a:schemeClr val="dk1"/>
-                </a:solidFill>
-                <a:latin typeface="Times New Roman"/>
-                <a:ea typeface="Times New Roman"/>
-                <a:cs typeface="Times New Roman"/>
-                <a:sym typeface="Times New Roman"/>
-              </a:rPr>
-              <a:t>The </a:t>
-            </a:r>
-            <a:r>
               <a:rPr lang="en-US" sz="3600" b="1" dirty="0">
                 <a:solidFill>
                   <a:schemeClr val="dk1"/>
@@ -6560,19 +6548,7 @@
                 <a:cs typeface="Times New Roman"/>
                 <a:sym typeface="Times New Roman"/>
               </a:rPr>
-              <a:t>Coffee &amp; </a:t>
-            </a:r>
-            <a:r>
-              <a:rPr lang="en-US" sz="3600" b="1" dirty="0" smtClean="0">
-                <a:solidFill>
-                  <a:schemeClr val="dk1"/>
-                </a:solidFill>
-                <a:latin typeface="Times New Roman"/>
-                <a:ea typeface="Times New Roman"/>
-                <a:cs typeface="Times New Roman"/>
-                <a:sym typeface="Times New Roman"/>
-              </a:rPr>
-              <a:t>Cake_Group4</a:t>
+              <a:t>The Coffee &amp; Cake_Group4</a:t>
             </a:r>
           </a:p>
           <a:p>
@@ -6589,7 +6565,7 @@
               <a:buSzPts val="4000"/>
             </a:pPr>
             <a:r>
-              <a:rPr lang="en-US" sz="2800" b="1" dirty="0" smtClean="0">
+              <a:rPr lang="en-US" sz="2800" b="1" dirty="0">
                 <a:solidFill>
                   <a:schemeClr val="dk1"/>
                 </a:solidFill>
@@ -6601,7 +6577,7 @@
               <a:t>  Supervisor</a:t>
             </a:r>
             <a:r>
-              <a:rPr lang="en-US" sz="2800" b="1" i="0" u="none" strike="noStrike" cap="none" dirty="0" smtClean="0">
+              <a:rPr lang="en-US" sz="2800" b="1" i="0" u="none" strike="noStrike" cap="none" dirty="0">
                 <a:solidFill>
                   <a:schemeClr val="dk1"/>
                 </a:solidFill>
@@ -6612,7 +6588,7 @@
               </a:rPr>
               <a:t>:</a:t>
             </a:r>
-            <a:endParaRPr sz="2800" b="1" i="0" u="none" strike="noStrike" cap="none" dirty="0" smtClean="0">
+            <a:endParaRPr sz="2800" b="1" i="0" u="none" strike="noStrike" cap="none" dirty="0">
               <a:solidFill>
                 <a:schemeClr val="dk1"/>
               </a:solidFill>
@@ -6741,17 +6717,6 @@
               <a:buNone/>
             </a:pPr>
             <a:r>
-              <a:rPr lang="en-US" sz="2800" b="1" dirty="0" smtClean="0">
-                <a:solidFill>
-                  <a:schemeClr val="dk1"/>
-                </a:solidFill>
-                <a:latin typeface="Times New Roman"/>
-                <a:cs typeface="Times New Roman"/>
-                <a:sym typeface="Times New Roman"/>
-              </a:rPr>
-              <a:t>  Members</a:t>
-            </a:r>
-            <a:r>
               <a:rPr lang="en-US" sz="2800" b="1" dirty="0">
                 <a:solidFill>
                   <a:schemeClr val="dk1"/>
@@ -6760,7 +6725,7 @@
                 <a:cs typeface="Times New Roman"/>
                 <a:sym typeface="Times New Roman"/>
               </a:rPr>
-              <a:t>:</a:t>
+              <a:t>  Members:</a:t>
             </a:r>
           </a:p>
           <a:p>
@@ -6782,7 +6747,7 @@
               </a:tabLst>
             </a:pPr>
             <a:r>
-              <a:rPr lang="en-US" sz="2800" b="0" i="0" u="none" strike="noStrike" cap="none" dirty="0" smtClean="0">
+              <a:rPr lang="en-US" sz="2800" b="0" i="0" u="none" strike="noStrike" cap="none" dirty="0">
                 <a:solidFill>
                   <a:schemeClr val="dk1"/>
                 </a:solidFill>
@@ -6794,7 +6759,7 @@
               <a:t>Nguyen </a:t>
             </a:r>
             <a:r>
-              <a:rPr lang="en-US" sz="2800" b="0" i="0" u="none" strike="noStrike" cap="none" dirty="0" err="1" smtClean="0">
+              <a:rPr lang="en-US" sz="2800" b="0" i="0" u="none" strike="noStrike" cap="none" dirty="0" err="1">
                 <a:solidFill>
                   <a:schemeClr val="dk1"/>
                 </a:solidFill>
@@ -6806,7 +6771,7 @@
               <a:t>Dinh</a:t>
             </a:r>
             <a:r>
-              <a:rPr lang="en-US" sz="2800" b="0" i="0" u="none" strike="noStrike" cap="none" dirty="0" smtClean="0">
+              <a:rPr lang="en-US" sz="2800" b="0" i="0" u="none" strike="noStrike" cap="none" dirty="0">
                 <a:solidFill>
                   <a:schemeClr val="dk1"/>
                 </a:solidFill>
@@ -6853,7 +6818,7 @@
               </a:tabLst>
             </a:pPr>
             <a:r>
-              <a:rPr lang="en-US" sz="2800" dirty="0" smtClean="0">
+              <a:rPr lang="en-US" sz="2800" dirty="0">
                 <a:solidFill>
                   <a:schemeClr val="dk1"/>
                 </a:solidFill>
@@ -6864,7 +6829,7 @@
               <a:t>Tran Le </a:t>
             </a:r>
             <a:r>
-              <a:rPr lang="en-US" sz="2800" dirty="0" err="1" smtClean="0">
+              <a:rPr lang="en-US" sz="2800" dirty="0" err="1">
                 <a:solidFill>
                   <a:schemeClr val="dk1"/>
                 </a:solidFill>
@@ -6875,7 +6840,7 @@
               <a:t>Huy</a:t>
             </a:r>
             <a:r>
-              <a:rPr lang="en-US" sz="2800" dirty="0" smtClean="0">
+              <a:rPr lang="en-US" sz="2800" dirty="0">
                 <a:solidFill>
                   <a:schemeClr val="dk1"/>
                 </a:solidFill>
@@ -6912,7 +6877,7 @@
               </a:tabLst>
             </a:pPr>
             <a:r>
-              <a:rPr lang="en-US" sz="2800" b="0" i="0" u="none" strike="noStrike" cap="none" dirty="0" smtClean="0">
+              <a:rPr lang="en-US" sz="2800" b="0" i="0" u="none" strike="noStrike" cap="none" dirty="0">
                 <a:solidFill>
                   <a:schemeClr val="dk1"/>
                 </a:solidFill>
@@ -6924,7 +6889,7 @@
               <a:t>Tran Hoang </a:t>
             </a:r>
             <a:r>
-              <a:rPr lang="en-US" sz="2800" b="0" i="0" u="none" strike="noStrike" cap="none" dirty="0" err="1" smtClean="0">
+              <a:rPr lang="en-US" sz="2800" b="0" i="0" u="none" strike="noStrike" cap="none" dirty="0" err="1">
                 <a:solidFill>
                   <a:schemeClr val="dk1"/>
                 </a:solidFill>
@@ -6936,7 +6901,7 @@
               <a:t>Tu</a:t>
             </a:r>
             <a:r>
-              <a:rPr lang="en-US" sz="2800" dirty="0" smtClean="0">
+              <a:rPr lang="en-US" sz="2800" dirty="0">
                 <a:solidFill>
                   <a:schemeClr val="dk1"/>
                 </a:solidFill>
@@ -7010,43 +6975,31 @@
                 <a:cs typeface="Times New Roman"/>
                 <a:sym typeface="Times New Roman"/>
               </a:rPr>
-              <a:t>	</a:t>
+              <a:t>					</a:t>
             </a:r>
             <a:r>
-              <a:rPr lang="en-US" sz="1800" dirty="0" smtClean="0">
-                <a:solidFill>
-                  <a:schemeClr val="dk1"/>
-                </a:solidFill>
-                <a:latin typeface="Times New Roman"/>
-                <a:ea typeface="Times New Roman"/>
-                <a:cs typeface="Times New Roman"/>
-                <a:sym typeface="Times New Roman"/>
-              </a:rPr>
-              <a:t>				</a:t>
-            </a:r>
-            <a:r>
-              <a:rPr lang="en-GB" sz="2000" b="1" i="1" dirty="0" smtClean="0">
+              <a:rPr lang="en-GB" sz="2000" b="1" i="1" dirty="0">
                 <a:latin typeface="Times New Roman" panose="02020603050405020304" pitchFamily="18" charset="0"/>
                 <a:cs typeface="Times New Roman" panose="02020603050405020304" pitchFamily="18" charset="0"/>
               </a:rPr>
               <a:t>Month</a:t>
             </a:r>
             <a:r>
-              <a:rPr lang="en-GB" sz="2000" i="1" dirty="0" smtClean="0">
+              <a:rPr lang="en-GB" sz="2000" i="1" dirty="0">
                 <a:latin typeface="Times New Roman" panose="02020603050405020304" pitchFamily="18" charset="0"/>
                 <a:cs typeface="Times New Roman" panose="02020603050405020304" pitchFamily="18" charset="0"/>
               </a:rPr>
               <a:t>:03  </a:t>
             </a:r>
             <a:r>
-              <a:rPr lang="en-GB" sz="2000" b="1" i="1" dirty="0" smtClean="0">
+              <a:rPr lang="en-GB" sz="2000" b="1" i="1" dirty="0">
                 <a:latin typeface="Times New Roman" panose="02020603050405020304" pitchFamily="18" charset="0"/>
                 <a:cs typeface="Times New Roman" panose="02020603050405020304" pitchFamily="18" charset="0"/>
               </a:rPr>
               <a:t>Year</a:t>
             </a:r>
             <a:r>
-              <a:rPr lang="en-GB" sz="2000" i="1" dirty="0" smtClean="0">
+              <a:rPr lang="en-GB" sz="2000" i="1" dirty="0">
                 <a:latin typeface="Times New Roman" panose="02020603050405020304" pitchFamily="18" charset="0"/>
                 <a:cs typeface="Times New Roman" panose="02020603050405020304" pitchFamily="18" charset="0"/>
               </a:rPr>
@@ -7779,32 +7732,18 @@
           <a:lstStyle/>
           <a:p>
             <a:r>
-              <a:rPr lang="en-GB" b="1" dirty="0" smtClean="0">
-                <a:latin typeface="Times New Roman" panose="02020603050405020304" pitchFamily="18" charset="0"/>
-                <a:cs typeface="Times New Roman" panose="02020603050405020304" pitchFamily="18" charset="0"/>
-              </a:rPr>
-              <a:t>The Coffee </a:t>
-            </a:r>
-            <a:r>
               <a:rPr lang="en-GB" b="1" dirty="0">
                 <a:latin typeface="Times New Roman" panose="02020603050405020304" pitchFamily="18" charset="0"/>
                 <a:cs typeface="Times New Roman" panose="02020603050405020304" pitchFamily="18" charset="0"/>
               </a:rPr>
-              <a:t>&amp; Cake </a:t>
+              <a:t>The Coffee &amp; Cake </a:t>
             </a:r>
             <a:r>
               <a:rPr lang="en-GB" dirty="0">
                 <a:latin typeface="Times New Roman" panose="02020603050405020304" pitchFamily="18" charset="0"/>
                 <a:cs typeface="Times New Roman" panose="02020603050405020304" pitchFamily="18" charset="0"/>
               </a:rPr>
-              <a:t>is a simple web application designed to help users order and pay for coffee and cakes online. The app allows users to select products by category and view product details, including price and description. Users can order and pay online using popular payment methods such as credit cards or e-wallets. After placing an order, the user will receive a confirmation message about his order. Application administrators can manage products, orders, and customer information. The goal of the application is to provide a simple and convenient user experience when ordering online and to help administrators manage their business more easily. Based on the needs outlined in the project, we have designed an application that will provide the following features and </a:t>
-            </a:r>
-            <a:r>
-              <a:rPr lang="en-GB" dirty="0" smtClean="0">
-                <a:latin typeface="Times New Roman" panose="02020603050405020304" pitchFamily="18" charset="0"/>
-                <a:cs typeface="Times New Roman" panose="02020603050405020304" pitchFamily="18" charset="0"/>
-              </a:rPr>
-              <a:t>functions.</a:t>
+              <a:t>is a simple web application designed to help users order and pay for coffee and cakes online. The app allows users to select products by category and view product details, including price and description. Users can order and pay online using popular payment methods such as credit cards or e-wallets. After placing an order, the user will receive a confirmation message about his order. Application administrators can manage products, orders, and customer information. The goal of the application is to provide a simple and convenient user experience when ordering online and to help administrators manage their business more easily. Based on the needs outlined in the project, we have designed an application that will provide the following features and functions.</a:t>
             </a:r>
             <a:endParaRPr lang="en-US" dirty="0">
               <a:latin typeface="Times New Roman" panose="02020603050405020304" pitchFamily="18" charset="0"/>
@@ -7826,7 +7765,7 @@
               <a:buChar char="◆"/>
             </a:pPr>
             <a:r>
-              <a:rPr lang="en-US" dirty="0" smtClean="0"/>
+              <a:rPr lang="en-US" dirty="0"/>
               <a:t>.</a:t>
             </a:r>
             <a:endParaRPr dirty="0"/>
@@ -8076,7 +8015,6 @@
               <a:rPr lang="en-US" dirty="0"/>
               <a:t>For user : </a:t>
             </a:r>
-            <a:endParaRPr lang="en-US" dirty="0" smtClean="0"/>
           </a:p>
           <a:p>
             <a:pPr marL="0" lvl="0" indent="0" algn="l" rtl="0">
@@ -8090,12 +8028,8 @@
               <a:buNone/>
             </a:pPr>
             <a:r>
-              <a:rPr lang="en-US" dirty="0" smtClean="0"/>
-              <a:t>-</a:t>
-            </a:r>
-            <a:r>
               <a:rPr lang="en-US" dirty="0"/>
-              <a:t>	Users can view products by name or description</a:t>
+              <a:t>-	Users can view products by name or description</a:t>
             </a:r>
           </a:p>
           <a:p>
@@ -8103,12 +8037,8 @@
               <a:buNone/>
             </a:pPr>
             <a:r>
-              <a:rPr lang="en-US" dirty="0" smtClean="0"/>
-              <a:t>-</a:t>
-            </a:r>
-            <a:r>
               <a:rPr lang="en-US" dirty="0"/>
-              <a:t>	Users can place orders for products from the page. </a:t>
+              <a:t>-	Users can place orders for products from the page. </a:t>
             </a:r>
           </a:p>
           <a:p>
@@ -8116,20 +8046,8 @@
               <a:buNone/>
             </a:pPr>
             <a:r>
-              <a:rPr lang="en-US" dirty="0" smtClean="0"/>
-              <a:t>-</a:t>
-            </a:r>
-            <a:r>
               <a:rPr lang="en-US" dirty="0"/>
-              <a:t>	</a:t>
-            </a:r>
-            <a:r>
-              <a:rPr lang="en-US" dirty="0" smtClean="0"/>
-              <a:t>Users allows </a:t>
-            </a:r>
-            <a:r>
-              <a:rPr lang="en-US" dirty="0"/>
-              <a:t>users to add products to their cart and place orders by entering delivery address information and selecting payment methods.</a:t>
+              <a:t>-	Users allows users to add products to their cart and place orders by entering the delivery address information</a:t>
             </a:r>
           </a:p>
           <a:p>
@@ -8137,12 +8055,8 @@
               <a:buNone/>
             </a:pPr>
             <a:r>
-              <a:rPr lang="en-US" dirty="0" smtClean="0"/>
-              <a:t>-</a:t>
-            </a:r>
-            <a:r>
               <a:rPr lang="en-US" dirty="0"/>
-              <a:t>	Users can change the quantity of products or remove products from the cart.</a:t>
+              <a:t>-	Users can change the number of products or remove products from the cart.</a:t>
             </a:r>
           </a:p>
           <a:p>
@@ -8150,12 +8064,17 @@
               <a:buNone/>
             </a:pPr>
             <a:r>
-              <a:rPr lang="en-US" dirty="0" smtClean="0"/>
-              <a:t>-</a:t>
+              <a:rPr lang="en-US" dirty="0"/>
+              <a:t>-	Users can view history orders.</a:t>
             </a:r>
+          </a:p>
+          <a:p>
+            <a:pPr marL="0" lvl="0" indent="0">
+              <a:buNone/>
+            </a:pPr>
             <a:r>
               <a:rPr lang="en-US" dirty="0"/>
-              <a:t>	Users can view history order.</a:t>
+              <a:t>- 	Can send Contact</a:t>
             </a:r>
           </a:p>
         </p:txBody>
@@ -8351,14 +8270,14 @@
               <a:buChar char="◆"/>
             </a:pPr>
             <a:r>
-              <a:rPr lang="en-US" b="1"/>
+              <a:rPr lang="en-US" b="1" dirty="0"/>
               <a:t>Functional</a:t>
             </a:r>
             <a:r>
-              <a:rPr lang="en-US"/>
+              <a:rPr lang="en-US" dirty="0"/>
               <a:t> </a:t>
             </a:r>
-            <a:endParaRPr/>
+            <a:endParaRPr dirty="0"/>
           </a:p>
           <a:p>
             <a:pPr marL="0" lvl="0" indent="0" algn="l" rtl="0">
@@ -8372,10 +8291,10 @@
               <a:buNone/>
             </a:pPr>
             <a:r>
-              <a:rPr lang="en-US"/>
+              <a:rPr lang="en-US" dirty="0"/>
               <a:t>For admin : </a:t>
             </a:r>
-            <a:endParaRPr/>
+            <a:endParaRPr dirty="0"/>
           </a:p>
           <a:p>
             <a:pPr marL="0" lvl="0" indent="0" algn="l" rtl="0">
@@ -8389,10 +8308,9 @@
               <a:buNone/>
             </a:pPr>
             <a:r>
-              <a:rPr lang="en-US"/>
+              <a:rPr lang="en-US" dirty="0"/>
               <a:t>- Can add/ edit admin’s account</a:t>
             </a:r>
-            <a:endParaRPr/>
           </a:p>
           <a:p>
             <a:pPr marL="0" lvl="0" indent="0" algn="l" rtl="0">
@@ -8406,10 +8324,9 @@
               <a:buNone/>
             </a:pPr>
             <a:r>
-              <a:rPr lang="en-US"/>
-              <a:t>- Can add/view/edit/deactivate products</a:t>
+              <a:rPr lang="en-US" dirty="0"/>
+              <a:t>- Can view/deactivate User</a:t>
             </a:r>
-            <a:endParaRPr/>
           </a:p>
           <a:p>
             <a:pPr marL="0" lvl="0" indent="0" algn="l" rtl="0">
@@ -8423,10 +8340,60 @@
               <a:buNone/>
             </a:pPr>
             <a:r>
-              <a:rPr lang="en-US"/>
+              <a:rPr lang="en-US" dirty="0"/>
+              <a:t>- Can add/ view/ deactivate Category</a:t>
+            </a:r>
+            <a:endParaRPr dirty="0"/>
+          </a:p>
+          <a:p>
+            <a:pPr marL="0" lvl="0" indent="0" algn="l" rtl="0">
+              <a:spcBef>
+                <a:spcPts val="480"/>
+              </a:spcBef>
+              <a:spcAft>
+                <a:spcPts val="0"/>
+              </a:spcAft>
+              <a:buSzPts val="1200"/>
+              <a:buNone/>
+            </a:pPr>
+            <a:r>
+              <a:rPr lang="en-US" dirty="0"/>
+              <a:t>- Can add/view/edit/deactivate products</a:t>
+            </a:r>
+            <a:endParaRPr dirty="0"/>
+          </a:p>
+          <a:p>
+            <a:pPr marL="0" lvl="0" indent="0" algn="l" rtl="0">
+              <a:spcBef>
+                <a:spcPts val="480"/>
+              </a:spcBef>
+              <a:spcAft>
+                <a:spcPts val="0"/>
+              </a:spcAft>
+              <a:buSzPts val="1200"/>
+              <a:buNone/>
+            </a:pPr>
+            <a:r>
+              <a:rPr lang="en-US" dirty="0"/>
               <a:t>- Can view all orders and change status orders</a:t>
             </a:r>
-            <a:endParaRPr/>
+          </a:p>
+          <a:p>
+            <a:pPr marL="0" lvl="0" indent="0" algn="l" rtl="0">
+              <a:spcBef>
+                <a:spcPts val="480"/>
+              </a:spcBef>
+              <a:spcAft>
+                <a:spcPts val="0"/>
+              </a:spcAft>
+              <a:buSzPts val="1200"/>
+              <a:buNone/>
+            </a:pPr>
+            <a:r>
+              <a:rPr lang="en-US" dirty="0"/>
+              <a:t>- Can view Contact</a:t>
+            </a:r>
+            <a:endParaRPr dirty="0"/>
           </a:p>
         </p:txBody>
       </p:sp>
@@ -8884,14 +8851,14 @@
           <p:nvPr>
             <p:extLst>
               <p:ext uri="{D42A27DB-BD31-4B8C-83A1-F6EECF244321}">
-                <p14:modId xmlns:p14="http://schemas.microsoft.com/office/powerpoint/2010/main" val="86036054"/>
+                <p14:modId xmlns:p14="http://schemas.microsoft.com/office/powerpoint/2010/main" val="3401463390"/>
               </p:ext>
             </p:extLst>
           </p:nvPr>
         </p:nvGraphicFramePr>
         <p:xfrm>
-          <a:off x="304800" y="914400"/>
-          <a:ext cx="8610575" cy="3937040"/>
+          <a:off x="304800" y="914399"/>
+          <a:ext cx="8610575" cy="5329382"/>
         </p:xfrm>
         <a:graphic>
           <a:graphicData uri="http://schemas.openxmlformats.org/drawingml/2006/table">
@@ -8930,7 +8897,7 @@
                   </a:extLst>
                 </a:gridCol>
               </a:tblGrid>
-              <a:tr h="370850">
+              <a:tr h="385582">
                 <a:tc>
                   <a:txBody>
                     <a:bodyPr/>
@@ -9029,7 +8996,7 @@
                   </a:ext>
                 </a:extLst>
               </a:tr>
-              <a:tr h="370850">
+              <a:tr h="1235950">
                 <a:tc>
                   <a:txBody>
                     <a:bodyPr/>
@@ -9137,7 +9104,7 @@
                         <a:buNone/>
                       </a:pPr>
                       <a:r>
-                        <a:rPr lang="en-US" sz="1800" u="none" strike="noStrike" cap="none" dirty="0" smtClean="0"/>
+                        <a:rPr lang="en-US" sz="1800" u="none" strike="noStrike" cap="none" dirty="0"/>
                         <a:t>User</a:t>
                       </a:r>
                       <a:endParaRPr sz="1800" u="none" strike="noStrike" cap="none" dirty="0"/>
@@ -9159,7 +9126,7 @@
                         </a:spcAft>
                         <a:buNone/>
                       </a:pPr>
-                      <a:endParaRPr sz="1800" u="none" strike="noStrike" cap="none"/>
+                      <a:endParaRPr sz="1800" u="none" strike="noStrike" cap="none" dirty="0"/>
                     </a:p>
                     <a:p>
                       <a:pPr marL="0" marR="0" lvl="0" indent="0" algn="ctr" rtl="0">
@@ -9172,10 +9139,10 @@
                         <a:buNone/>
                       </a:pPr>
                       <a:r>
-                        <a:rPr lang="en-US" sz="1800" u="none" strike="noStrike" cap="none" smtClean="0"/>
-                        <a:t>Guest</a:t>
+                        <a:rPr lang="en-US" sz="1800" u="none" strike="noStrike" cap="none" dirty="0"/>
+                        <a:t>User</a:t>
                       </a:r>
-                      <a:endParaRPr sz="1800" u="none" strike="noStrike" cap="none"/>
+                      <a:endParaRPr sz="1800" u="none" strike="noStrike" cap="none" dirty="0"/>
                     </a:p>
                   </a:txBody>
                   <a:tcPr marL="91450" marR="91450" marT="45725" marB="45725"/>
@@ -9194,7 +9161,7 @@
                         </a:spcAft>
                         <a:buNone/>
                       </a:pPr>
-                      <a:endParaRPr sz="1800" u="none" strike="noStrike" cap="none"/>
+                      <a:endParaRPr sz="1800" u="none" strike="noStrike" cap="none" dirty="0"/>
                     </a:p>
                     <a:p>
                       <a:pPr marL="0" marR="0" lvl="0" indent="0" algn="ctr" rtl="0">
@@ -9207,10 +9174,10 @@
                         <a:buNone/>
                       </a:pPr>
                       <a:r>
-                        <a:rPr lang="en-US" sz="1800" u="none" strike="noStrike" cap="none"/>
+                        <a:rPr lang="en-US" sz="1800" u="none" strike="noStrike" cap="none" dirty="0"/>
                         <a:t>Done</a:t>
                       </a:r>
-                      <a:endParaRPr sz="1800" u="none" strike="noStrike" cap="none"/>
+                      <a:endParaRPr sz="1800" u="none" strike="noStrike" cap="none" dirty="0"/>
                     </a:p>
                   </a:txBody>
                   <a:tcPr marL="91450" marR="91450" marT="45725" marB="45725"/>
@@ -9221,13 +9188,13 @@
                   </a:ext>
                 </a:extLst>
               </a:tr>
-              <a:tr h="370850">
+              <a:tr h="1235950">
                 <a:tc>
                   <a:txBody>
                     <a:bodyPr/>
                     <a:lstStyle/>
                     <a:p>
-                      <a:pPr marL="285750" marR="0" lvl="0" indent="-285750" algn="l" rtl="0">
+                      <a:pPr marL="0" marR="0" lvl="0" indent="0" algn="l" rtl="0">
                         <a:spcBef>
                           <a:spcPts val="0"/>
                         </a:spcBef>
@@ -9239,16 +9206,8 @@
                         </a:buClr>
                         <a:buSzPts val="1800"/>
                         <a:buFont typeface="Arial"/>
-                        <a:buChar char="-"/>
+                        <a:buNone/>
                       </a:pPr>
-                      <a:r>
-                        <a:rPr lang="en-US" sz="1800" u="none" strike="noStrike" cap="none" dirty="0" smtClean="0"/>
-                        <a:t>View List</a:t>
-                      </a:r>
-                      <a:r>
-                        <a:rPr lang="en-US" sz="1800" u="none" strike="noStrike" cap="none" baseline="0" dirty="0" smtClean="0"/>
-                        <a:t> Category</a:t>
-                      </a:r>
                       <a:endParaRPr dirty="0"/>
                     </a:p>
                     <a:p>
@@ -9271,11 +9230,7 @@
                       </a:pPr>
                       <a:r>
                         <a:rPr lang="en-US" sz="1800" u="none" strike="noStrike" cap="none" dirty="0"/>
-                        <a:t>Filter </a:t>
-                      </a:r>
-                      <a:r>
-                        <a:rPr lang="en-US" sz="1800" u="none" strike="noStrike" cap="none" dirty="0" smtClean="0"/>
-                        <a:t>product</a:t>
+                        <a:t>Filter product</a:t>
                       </a:r>
                       <a:endParaRPr dirty="0"/>
                     </a:p>
@@ -9352,27 +9307,7 @@
                         <a:buFont typeface="Arial"/>
                         <a:buNone/>
                       </a:pPr>
-                      <a:endParaRPr sz="1800" u="none" strike="noStrike" cap="none"/>
-                    </a:p>
-                    <a:p>
-                      <a:pPr marL="0" marR="0" lvl="0" indent="0" algn="ctr" rtl="0">
-                        <a:lnSpc>
-                          <a:spcPct val="100000"/>
-                        </a:lnSpc>
-                        <a:spcBef>
-                          <a:spcPts val="0"/>
-                        </a:spcBef>
-                        <a:spcAft>
-                          <a:spcPts val="0"/>
-                        </a:spcAft>
-                        <a:buClr>
-                          <a:schemeClr val="dk1"/>
-                        </a:buClr>
-                        <a:buSzPts val="1800"/>
-                        <a:buFont typeface="Arial"/>
-                        <a:buNone/>
-                      </a:pPr>
-                      <a:endParaRPr sz="1800" u="none" strike="noStrike" cap="none"/>
+                      <a:endParaRPr sz="1800" u="none" strike="noStrike" cap="none" dirty="0"/>
                     </a:p>
                     <a:p>
                       <a:pPr marL="0" marR="0" lvl="0" indent="0" algn="ctr" rtl="0">
@@ -9393,10 +9328,18 @@
                         <a:buNone/>
                       </a:pPr>
                       <a:r>
-                        <a:rPr lang="en-US" sz="1800" u="none" strike="noStrike" cap="none"/>
-                        <a:t>Product, Customer, Order</a:t>
+                        <a:rPr lang="en-US" sz="1800" u="none" strike="noStrike" cap="none" dirty="0"/>
+                        <a:t>Product, Order, </a:t>
                       </a:r>
-                      <a:endParaRPr sz="1800" u="none" strike="noStrike" cap="none"/>
+                      <a:r>
+                        <a:rPr lang="en-US" sz="1800" u="none" strike="noStrike" cap="none" dirty="0" err="1"/>
+                        <a:t>OrderDetails</a:t>
+                      </a:r>
+                      <a:r>
+                        <a:rPr lang="en-US" sz="1800" u="none" strike="noStrike" cap="none" dirty="0"/>
+                        <a:t>, Category</a:t>
+                      </a:r>
+                      <a:endParaRPr sz="1800" u="none" strike="noStrike" cap="none" dirty="0"/>
                     </a:p>
                   </a:txBody>
                   <a:tcPr marL="91450" marR="91450" marT="45725" marB="45725"/>
@@ -9415,7 +9358,7 @@
                         </a:spcAft>
                         <a:buNone/>
                       </a:pPr>
-                      <a:endParaRPr sz="1800" u="none" strike="noStrike" cap="none"/>
+                      <a:endParaRPr sz="1800" u="none" strike="noStrike" cap="none" dirty="0"/>
                     </a:p>
                     <a:p>
                       <a:pPr marL="0" marR="0" lvl="0" indent="0" algn="ctr" rtl="0">
@@ -9427,7 +9370,7 @@
                         </a:spcAft>
                         <a:buNone/>
                       </a:pPr>
-                      <a:endParaRPr sz="1800" u="none" strike="noStrike" cap="none"/>
+                      <a:endParaRPr sz="1800" u="none" strike="noStrike" cap="none" dirty="0"/>
                     </a:p>
                     <a:p>
                       <a:pPr marL="0" marR="0" lvl="0" indent="0" algn="ctr" rtl="0">
@@ -9440,10 +9383,10 @@
                         <a:buNone/>
                       </a:pPr>
                       <a:r>
-                        <a:rPr lang="en-US" sz="1800" u="none" strike="noStrike" cap="none"/>
-                        <a:t>Guest</a:t>
+                        <a:rPr lang="en-US" sz="1800" u="none" strike="noStrike" cap="none" dirty="0"/>
+                        <a:t>User</a:t>
                       </a:r>
-                      <a:endParaRPr sz="1800" u="none" strike="noStrike" cap="none"/>
+                      <a:endParaRPr sz="1800" u="none" strike="noStrike" cap="none" dirty="0"/>
                     </a:p>
                   </a:txBody>
                   <a:tcPr marL="91450" marR="91450" marT="45725" marB="45725"/>
@@ -9470,7 +9413,7 @@
                         <a:buFont typeface="Arial"/>
                         <a:buNone/>
                       </a:pPr>
-                      <a:endParaRPr sz="1800" u="none" strike="noStrike" cap="none"/>
+                      <a:endParaRPr sz="1800" u="none" strike="noStrike" cap="none" dirty="0"/>
                     </a:p>
                     <a:p>
                       <a:pPr marL="0" marR="0" lvl="0" indent="0" algn="ctr" rtl="0">
@@ -9490,7 +9433,7 @@
                         <a:buFont typeface="Arial"/>
                         <a:buNone/>
                       </a:pPr>
-                      <a:endParaRPr sz="1800" u="none" strike="noStrike" cap="none"/>
+                      <a:endParaRPr sz="1800" u="none" strike="noStrike" cap="none" dirty="0"/>
                     </a:p>
                     <a:p>
                       <a:pPr marL="0" marR="0" lvl="0" indent="0" algn="ctr" rtl="0">
@@ -9511,10 +9454,10 @@
                         <a:buNone/>
                       </a:pPr>
                       <a:r>
-                        <a:rPr lang="en-US" sz="1800" u="none" strike="noStrike" cap="none"/>
+                        <a:rPr lang="en-US" sz="1800" u="none" strike="noStrike" cap="none" dirty="0"/>
                         <a:t>Done</a:t>
                       </a:r>
-                      <a:endParaRPr/>
+                      <a:endParaRPr dirty="0"/>
                     </a:p>
                     <a:p>
                       <a:pPr marL="0" marR="0" lvl="0" indent="0" algn="ctr" rtl="0">
@@ -9526,7 +9469,7 @@
                         </a:spcAft>
                         <a:buNone/>
                       </a:pPr>
-                      <a:endParaRPr sz="1800" u="none" strike="noStrike" cap="none"/>
+                      <a:endParaRPr sz="1800" u="none" strike="noStrike" cap="none" dirty="0"/>
                     </a:p>
                   </a:txBody>
                   <a:tcPr marL="91450" marR="91450" marT="45725" marB="45725"/>
@@ -9537,7 +9480,7 @@
                   </a:ext>
                 </a:extLst>
               </a:tr>
-              <a:tr h="370850">
+              <a:tr h="1235950">
                 <a:tc>
                   <a:txBody>
                     <a:bodyPr/>
@@ -9615,7 +9558,7 @@
                         <a:buFont typeface="Arial"/>
                         <a:buNone/>
                       </a:pPr>
-                      <a:endParaRPr sz="1800" u="none" strike="noStrike" cap="none"/>
+                      <a:endParaRPr sz="1800" u="none" strike="noStrike" cap="none" dirty="0"/>
                     </a:p>
                     <a:p>
                       <a:pPr marL="0" marR="0" lvl="0" indent="0" algn="ctr" rtl="0">
@@ -9636,10 +9579,14 @@
                         <a:buNone/>
                       </a:pPr>
                       <a:r>
-                        <a:rPr lang="en-US" sz="1800" u="none" strike="noStrike" cap="none"/>
-                        <a:t>Product, Customer, Order</a:t>
+                        <a:rPr lang="en-US" sz="1800" u="none" strike="noStrike" cap="none" dirty="0"/>
+                        <a:t>Product, User, Order, </a:t>
                       </a:r>
-                      <a:endParaRPr sz="1800" u="none" strike="noStrike" cap="none"/>
+                      <a:r>
+                        <a:rPr lang="en-US" sz="1800" u="none" strike="noStrike" cap="none" dirty="0" err="1"/>
+                        <a:t>OrderDetails</a:t>
+                      </a:r>
+                      <a:endParaRPr sz="1800" u="none" strike="noStrike" cap="none" dirty="0"/>
                     </a:p>
                     <a:p>
                       <a:pPr marL="0" marR="0" lvl="0" indent="0" algn="l" rtl="0">
@@ -9659,7 +9606,7 @@
                         <a:buFont typeface="Arial"/>
                         <a:buNone/>
                       </a:pPr>
-                      <a:endParaRPr sz="1800" u="none" strike="noStrike" cap="none"/>
+                      <a:endParaRPr sz="1800" u="none" strike="noStrike" cap="none" dirty="0"/>
                     </a:p>
                   </a:txBody>
                   <a:tcPr marL="91450" marR="91450" marT="45725" marB="45725"/>
@@ -9678,7 +9625,7 @@
                         </a:spcAft>
                         <a:buNone/>
                       </a:pPr>
-                      <a:endParaRPr sz="1800" u="none" strike="noStrike" cap="none"/>
+                      <a:endParaRPr sz="1800" u="none" strike="noStrike" cap="none" dirty="0"/>
                     </a:p>
                     <a:p>
                       <a:pPr marL="0" marR="0" lvl="0" indent="0" algn="ctr" rtl="0">
@@ -9691,10 +9638,10 @@
                         <a:buNone/>
                       </a:pPr>
                       <a:r>
-                        <a:rPr lang="en-US" sz="1800" u="none" strike="noStrike" cap="none"/>
-                        <a:t>Guest</a:t>
+                        <a:rPr lang="en-US" sz="1800" u="none" strike="noStrike" cap="none" dirty="0"/>
+                        <a:t>User</a:t>
                       </a:r>
-                      <a:endParaRPr sz="1800" u="none" strike="noStrike" cap="none"/>
+                      <a:endParaRPr sz="1800" u="none" strike="noStrike" cap="none" dirty="0"/>
                     </a:p>
                   </a:txBody>
                   <a:tcPr marL="91450" marR="91450" marT="45725" marB="45725"/>
@@ -9737,6 +9684,121 @@
                 <a:extLst>
                   <a:ext uri="{0D108BD9-81ED-4DB2-BD59-A6C34878D82A}">
                     <a16:rowId xmlns:a16="http://schemas.microsoft.com/office/drawing/2014/main" val="10003"/>
+                  </a:ext>
+                </a:extLst>
+              </a:tr>
+              <a:tr h="1235950">
+                <a:tc>
+                  <a:txBody>
+                    <a:bodyPr/>
+                    <a:lstStyle/>
+                    <a:p>
+                      <a:pPr marL="285750" marR="0" lvl="0" indent="-285750" algn="l" rtl="0">
+                        <a:lnSpc>
+                          <a:spcPct val="100000"/>
+                        </a:lnSpc>
+                        <a:spcBef>
+                          <a:spcPts val="0"/>
+                        </a:spcBef>
+                        <a:spcAft>
+                          <a:spcPts val="0"/>
+                        </a:spcAft>
+                        <a:buClr>
+                          <a:schemeClr val="dk1"/>
+                        </a:buClr>
+                        <a:buSzPts val="1800"/>
+                        <a:buFont typeface="Arial"/>
+                        <a:buChar char="-"/>
+                      </a:pPr>
+                      <a:r>
+                        <a:rPr lang="en-US" sz="1800" u="none" strike="noStrike" cap="none" dirty="0"/>
+                        <a:t>Send contact</a:t>
+                      </a:r>
+                      <a:endParaRPr sz="1800" u="none" strike="noStrike" cap="none" dirty="0"/>
+                    </a:p>
+                  </a:txBody>
+                  <a:tcPr marL="91450" marR="91450" marT="45725" marB="45725"/>
+                </a:tc>
+                <a:tc>
+                  <a:txBody>
+                    <a:bodyPr/>
+                    <a:lstStyle/>
+                    <a:p>
+                      <a:pPr marL="0" marR="0" lvl="0" indent="0" algn="ctr" rtl="0">
+                        <a:lnSpc>
+                          <a:spcPct val="100000"/>
+                        </a:lnSpc>
+                        <a:spcBef>
+                          <a:spcPts val="0"/>
+                        </a:spcBef>
+                        <a:spcAft>
+                          <a:spcPts val="0"/>
+                        </a:spcAft>
+                        <a:buClr>
+                          <a:schemeClr val="dk1"/>
+                        </a:buClr>
+                        <a:buSzPts val="1800"/>
+                        <a:buFont typeface="Arial"/>
+                        <a:buNone/>
+                      </a:pPr>
+                      <a:r>
+                        <a:rPr lang="en-US" sz="1800" u="none" strike="noStrike" cap="none" dirty="0"/>
+                        <a:t>Contact</a:t>
+                      </a:r>
+                      <a:endParaRPr sz="1800" u="none" strike="noStrike" cap="none" dirty="0"/>
+                    </a:p>
+                  </a:txBody>
+                  <a:tcPr marL="91450" marR="91450" marT="45725" marB="45725"/>
+                </a:tc>
+                <a:tc>
+                  <a:txBody>
+                    <a:bodyPr/>
+                    <a:lstStyle/>
+                    <a:p>
+                      <a:pPr marL="0" marR="0" lvl="0" indent="0" algn="ctr" rtl="0">
+                        <a:spcBef>
+                          <a:spcPts val="0"/>
+                        </a:spcBef>
+                        <a:spcAft>
+                          <a:spcPts val="0"/>
+                        </a:spcAft>
+                        <a:buNone/>
+                      </a:pPr>
+                      <a:r>
+                        <a:rPr lang="en-US" sz="1800" u="none" strike="noStrike" cap="none" dirty="0"/>
+                        <a:t>User</a:t>
+                      </a:r>
+                      <a:endParaRPr sz="1800" u="none" strike="noStrike" cap="none" dirty="0"/>
+                    </a:p>
+                  </a:txBody>
+                  <a:tcPr marL="91450" marR="91450" marT="45725" marB="45725"/>
+                </a:tc>
+                <a:tc>
+                  <a:txBody>
+                    <a:bodyPr/>
+                    <a:lstStyle/>
+                    <a:p>
+                      <a:pPr marL="0" marR="0" lvl="0" indent="0" algn="ctr" rtl="0">
+                        <a:spcBef>
+                          <a:spcPts val="0"/>
+                        </a:spcBef>
+                        <a:spcAft>
+                          <a:spcPts val="0"/>
+                        </a:spcAft>
+                        <a:buNone/>
+                      </a:pPr>
+                      <a:r>
+                        <a:rPr lang="en-US" sz="1800" u="none" strike="noStrike" cap="none" dirty="0"/>
+                        <a:t>Done</a:t>
+                      </a:r>
+                      <a:endParaRPr sz="1800" u="none" strike="noStrike" cap="none" dirty="0"/>
+                    </a:p>
+                  </a:txBody>
+                  <a:tcPr marL="91450" marR="91450" marT="45725" marB="45725"/>
+                </a:tc>
+                <a:extLst>
+                  <a:ext uri="{0D108BD9-81ED-4DB2-BD59-A6C34878D82A}">
+                    <a16:rowId xmlns:a16="http://schemas.microsoft.com/office/drawing/2014/main" val="2160543456"/>
                   </a:ext>
                 </a:extLst>
               </a:tr>
@@ -9890,14 +9952,14 @@
           <p:nvPr>
             <p:extLst>
               <p:ext uri="{D42A27DB-BD31-4B8C-83A1-F6EECF244321}">
-                <p14:modId xmlns:p14="http://schemas.microsoft.com/office/powerpoint/2010/main" val="4268004910"/>
+                <p14:modId xmlns:p14="http://schemas.microsoft.com/office/powerpoint/2010/main" val="3784543452"/>
               </p:ext>
             </p:extLst>
           </p:nvPr>
         </p:nvGraphicFramePr>
         <p:xfrm>
           <a:off x="318247" y="1523999"/>
-          <a:ext cx="8610575" cy="2931210"/>
+          <a:ext cx="8610575" cy="5027364"/>
         </p:xfrm>
         <a:graphic>
           <a:graphicData uri="http://schemas.openxmlformats.org/drawingml/2006/table">
@@ -9936,7 +9998,7 @@
                   </a:extLst>
                 </a:gridCol>
               </a:tblGrid>
-              <a:tr h="294650">
+              <a:tr h="485979">
                 <a:tc>
                   <a:txBody>
                     <a:bodyPr/>
@@ -10035,7 +10097,7 @@
                   </a:ext>
                 </a:extLst>
               </a:tr>
-              <a:tr h="370850">
+              <a:tr h="492729">
                 <a:tc>
                   <a:txBody>
                     <a:bodyPr/>
@@ -10084,10 +10146,10 @@
                         <a:buNone/>
                       </a:pPr>
                       <a:r>
-                        <a:rPr lang="en-US" sz="1800" u="none" strike="noStrike" cap="none" smtClean="0"/>
+                        <a:rPr lang="en-US" sz="1800" u="none" strike="noStrike" cap="none" dirty="0"/>
                         <a:t>User</a:t>
                       </a:r>
-                      <a:endParaRPr sz="1800" u="none" strike="noStrike" cap="none"/>
+                      <a:endParaRPr sz="1800" u="none" strike="noStrike" cap="none" dirty="0"/>
                     </a:p>
                   </a:txBody>
                   <a:tcPr marL="91450" marR="91450" marT="45725" marB="45725"/>
@@ -10144,7 +10206,116 @@
                   </a:ext>
                 </a:extLst>
               </a:tr>
-              <a:tr h="370850">
+              <a:tr h="492729">
+                <a:tc>
+                  <a:txBody>
+                    <a:bodyPr/>
+                    <a:lstStyle/>
+                    <a:p>
+                      <a:pPr marL="285750" marR="0" lvl="0" indent="-285750" algn="l" rtl="0">
+                        <a:spcBef>
+                          <a:spcPts val="0"/>
+                        </a:spcBef>
+                        <a:spcAft>
+                          <a:spcPts val="0"/>
+                        </a:spcAft>
+                        <a:buClr>
+                          <a:schemeClr val="dk1"/>
+                        </a:buClr>
+                        <a:buSzPts val="1800"/>
+                        <a:buFont typeface="Arial"/>
+                        <a:buChar char="-"/>
+                      </a:pPr>
+                      <a:r>
+                        <a:rPr lang="en-US" sz="1800" u="none" strike="noStrike" cap="none" dirty="0"/>
+                        <a:t>Category Management</a:t>
+                      </a:r>
+                      <a:endParaRPr sz="1800" u="none" strike="noStrike" cap="none" dirty="0"/>
+                    </a:p>
+                  </a:txBody>
+                  <a:tcPr marL="91450" marR="91450" marT="45725" marB="45725"/>
+                </a:tc>
+                <a:tc>
+                  <a:txBody>
+                    <a:bodyPr/>
+                    <a:lstStyle/>
+                    <a:p>
+                      <a:pPr marL="0" marR="0" lvl="0" indent="0" algn="ctr" rtl="0">
+                        <a:spcBef>
+                          <a:spcPts val="0"/>
+                        </a:spcBef>
+                        <a:spcAft>
+                          <a:spcPts val="0"/>
+                        </a:spcAft>
+                        <a:buClr>
+                          <a:schemeClr val="dk1"/>
+                        </a:buClr>
+                        <a:buSzPts val="1800"/>
+                        <a:buFont typeface="Arial"/>
+                        <a:buNone/>
+                      </a:pPr>
+                      <a:r>
+                        <a:rPr lang="en-US" sz="1800" u="none" strike="noStrike" cap="none" dirty="0"/>
+                        <a:t>Category</a:t>
+                      </a:r>
+                      <a:endParaRPr sz="1800" u="none" strike="noStrike" cap="none" dirty="0"/>
+                    </a:p>
+                  </a:txBody>
+                  <a:tcPr marL="91450" marR="91450" marT="45725" marB="45725"/>
+                </a:tc>
+                <a:tc>
+                  <a:txBody>
+                    <a:bodyPr/>
+                    <a:lstStyle/>
+                    <a:p>
+                      <a:pPr marL="0" marR="0" lvl="0" indent="0" algn="ctr" rtl="0">
+                        <a:spcBef>
+                          <a:spcPts val="0"/>
+                        </a:spcBef>
+                        <a:spcAft>
+                          <a:spcPts val="0"/>
+                        </a:spcAft>
+                        <a:buNone/>
+                      </a:pPr>
+                      <a:r>
+                        <a:rPr lang="en-US" sz="1800" u="none" strike="noStrike" cap="none" dirty="0"/>
+                        <a:t>Admin</a:t>
+                      </a:r>
+                      <a:endParaRPr sz="1800" u="none" strike="noStrike" cap="none" dirty="0"/>
+                    </a:p>
+                  </a:txBody>
+                  <a:tcPr marL="91450" marR="91450" marT="45725" marB="45725"/>
+                </a:tc>
+                <a:tc>
+                  <a:txBody>
+                    <a:bodyPr/>
+                    <a:lstStyle/>
+                    <a:p>
+                      <a:pPr marL="0" marR="0" lvl="0" indent="0" algn="ctr" rtl="0">
+                        <a:spcBef>
+                          <a:spcPts val="0"/>
+                        </a:spcBef>
+                        <a:spcAft>
+                          <a:spcPts val="0"/>
+                        </a:spcAft>
+                        <a:buNone/>
+                      </a:pPr>
+                      <a:r>
+                        <a:rPr lang="en-US" sz="1800" u="none" strike="noStrike" cap="none" dirty="0"/>
+                        <a:t>Done</a:t>
+                      </a:r>
+                      <a:endParaRPr sz="1800" u="none" strike="noStrike" cap="none" dirty="0"/>
+                    </a:p>
+                  </a:txBody>
+                  <a:tcPr marL="91450" marR="91450" marT="45725" marB="45725"/>
+                </a:tc>
+                <a:extLst>
+                  <a:ext uri="{0D108BD9-81ED-4DB2-BD59-A6C34878D82A}">
+                    <a16:rowId xmlns:a16="http://schemas.microsoft.com/office/drawing/2014/main" val="2322062193"/>
+                  </a:ext>
+                </a:extLst>
+              </a:tr>
+              <a:tr h="850454">
                 <a:tc>
                   <a:txBody>
                     <a:bodyPr/>
@@ -10279,7 +10450,7 @@
                   </a:ext>
                 </a:extLst>
               </a:tr>
-              <a:tr h="370850">
+              <a:tr h="850454">
                 <a:tc>
                   <a:txBody>
                     <a:bodyPr/>
@@ -10331,10 +10502,10 @@
                         <a:buNone/>
                       </a:pPr>
                       <a:r>
-                        <a:rPr lang="en-US" sz="1800" u="none" strike="noStrike" cap="none" dirty="0"/>
-                        <a:t>Admin</a:t>
+                        <a:rPr lang="en-US" sz="1800" dirty="0"/>
+                        <a:t>User</a:t>
                       </a:r>
-                      <a:endParaRPr dirty="0"/>
+                      <a:endParaRPr sz="1800" dirty="0"/>
                     </a:p>
                     <a:p>
                       <a:pPr marL="0" marR="0" lvl="0" indent="0" algn="l" rtl="0">
@@ -10411,7 +10582,7 @@
                   </a:ext>
                 </a:extLst>
               </a:tr>
-              <a:tr h="370850">
+              <a:tr h="1214929">
                 <a:tc>
                   <a:txBody>
                     <a:bodyPr/>
@@ -10543,6 +10714,121 @@
                 <a:extLst>
                   <a:ext uri="{0D108BD9-81ED-4DB2-BD59-A6C34878D82A}">
                     <a16:rowId xmlns:a16="http://schemas.microsoft.com/office/drawing/2014/main" val="10004"/>
+                  </a:ext>
+                </a:extLst>
+              </a:tr>
+              <a:tr h="492729">
+                <a:tc>
+                  <a:txBody>
+                    <a:bodyPr/>
+                    <a:lstStyle/>
+                    <a:p>
+                      <a:pPr marL="0" marR="0" lvl="0" indent="0" algn="l" rtl="0">
+                        <a:lnSpc>
+                          <a:spcPct val="100000"/>
+                        </a:lnSpc>
+                        <a:spcBef>
+                          <a:spcPts val="0"/>
+                        </a:spcBef>
+                        <a:spcAft>
+                          <a:spcPts val="0"/>
+                        </a:spcAft>
+                        <a:buClr>
+                          <a:schemeClr val="dk1"/>
+                        </a:buClr>
+                        <a:buSzPts val="1800"/>
+                        <a:buFont typeface="Arial"/>
+                        <a:buNone/>
+                      </a:pPr>
+                      <a:r>
+                        <a:rPr lang="en-US" sz="1800" u="none" strike="noStrike" cap="none" dirty="0"/>
+                        <a:t>- View Contact</a:t>
+                      </a:r>
+                      <a:endParaRPr sz="1800" u="none" strike="noStrike" cap="none" dirty="0"/>
+                    </a:p>
+                  </a:txBody>
+                  <a:tcPr marL="91450" marR="91450" marT="45725" marB="45725"/>
+                </a:tc>
+                <a:tc>
+                  <a:txBody>
+                    <a:bodyPr/>
+                    <a:lstStyle/>
+                    <a:p>
+                      <a:pPr marL="0" marR="0" lvl="0" indent="0" algn="ctr" rtl="0">
+                        <a:lnSpc>
+                          <a:spcPct val="100000"/>
+                        </a:lnSpc>
+                        <a:spcBef>
+                          <a:spcPts val="0"/>
+                        </a:spcBef>
+                        <a:spcAft>
+                          <a:spcPts val="0"/>
+                        </a:spcAft>
+                        <a:buClr>
+                          <a:schemeClr val="dk1"/>
+                        </a:buClr>
+                        <a:buSzPts val="1800"/>
+                        <a:buFont typeface="Arial"/>
+                        <a:buNone/>
+                      </a:pPr>
+                      <a:r>
+                        <a:rPr lang="en-US" sz="1800" u="none" strike="noStrike" cap="none" dirty="0"/>
+                        <a:t>Contact</a:t>
+                      </a:r>
+                      <a:endParaRPr sz="1800" u="none" strike="noStrike" cap="none" dirty="0"/>
+                    </a:p>
+                  </a:txBody>
+                  <a:tcPr marL="91450" marR="91450" marT="45725" marB="45725"/>
+                </a:tc>
+                <a:tc>
+                  <a:txBody>
+                    <a:bodyPr/>
+                    <a:lstStyle/>
+                    <a:p>
+                      <a:pPr marL="0" marR="0" lvl="0" indent="0" algn="ctr" rtl="0">
+                        <a:spcBef>
+                          <a:spcPts val="0"/>
+                        </a:spcBef>
+                        <a:spcAft>
+                          <a:spcPts val="0"/>
+                        </a:spcAft>
+                        <a:buNone/>
+                      </a:pPr>
+                      <a:r>
+                        <a:rPr lang="en-US" sz="1800" u="none" strike="noStrike" cap="none" dirty="0"/>
+                        <a:t>Admin</a:t>
+                      </a:r>
+                      <a:endParaRPr sz="1800" u="none" strike="noStrike" cap="none" dirty="0"/>
+                    </a:p>
+                  </a:txBody>
+                  <a:tcPr marL="91450" marR="91450" marT="45725" marB="45725"/>
+                </a:tc>
+                <a:tc>
+                  <a:txBody>
+                    <a:bodyPr/>
+                    <a:lstStyle/>
+                    <a:p>
+                      <a:pPr marL="0" marR="0" lvl="0" indent="0" algn="ctr" rtl="0">
+                        <a:spcBef>
+                          <a:spcPts val="0"/>
+                        </a:spcBef>
+                        <a:spcAft>
+                          <a:spcPts val="0"/>
+                        </a:spcAft>
+                        <a:buNone/>
+                      </a:pPr>
+                      <a:r>
+                        <a:rPr lang="en-US" sz="1800" u="none" strike="noStrike" cap="none" dirty="0"/>
+                        <a:t>Done</a:t>
+                      </a:r>
+                      <a:endParaRPr sz="1800" u="none" strike="noStrike" cap="none" dirty="0"/>
+                    </a:p>
+                  </a:txBody>
+                  <a:tcPr marL="91450" marR="91450" marT="45725" marB="45725"/>
+                </a:tc>
+                <a:extLst>
+                  <a:ext uri="{0D108BD9-81ED-4DB2-BD59-A6C34878D82A}">
+                    <a16:rowId xmlns:a16="http://schemas.microsoft.com/office/drawing/2014/main" val="2812523718"/>
                   </a:ext>
                 </a:extLst>
               </a:tr>
@@ -10598,7 +10884,7 @@
               <a:t>    	</a:t>
             </a:r>
             <a:r>
-              <a:rPr lang="en-US" sz="3200" dirty="0" smtClean="0">
+              <a:rPr lang="en-US" sz="3200" dirty="0">
                 <a:latin typeface="Times New Roman"/>
                 <a:ea typeface="Times New Roman"/>
                 <a:cs typeface="Times New Roman"/>
